--- a/Presentatie-Software-Testing-Efrem.pptx
+++ b/Presentatie-Software-Testing-Efrem.pptx
@@ -16,14 +16,13 @@
     <p:sldId id="266" r:id="rId10"/>
     <p:sldId id="267" r:id="rId11"/>
     <p:sldId id="268" r:id="rId12"/>
-    <p:sldId id="269" r:id="rId13"/>
+    <p:sldId id="276" r:id="rId13"/>
     <p:sldId id="270" r:id="rId14"/>
-    <p:sldId id="271" r:id="rId15"/>
-    <p:sldId id="272" r:id="rId16"/>
-    <p:sldId id="273" r:id="rId17"/>
-    <p:sldId id="274" r:id="rId18"/>
-    <p:sldId id="275" r:id="rId19"/>
-    <p:sldId id="259" r:id="rId20"/>
+    <p:sldId id="272" r:id="rId15"/>
+    <p:sldId id="273" r:id="rId16"/>
+    <p:sldId id="274" r:id="rId17"/>
+    <p:sldId id="275" r:id="rId18"/>
+    <p:sldId id="259" r:id="rId19"/>
   </p:sldIdLst>
   <p:sldSz cx="12192000" cy="6858000"/>
   <p:notesSz cx="6858000" cy="9144000"/>
@@ -293,7 +292,7 @@
           <a:p>
             <a:fld id="{1160EA64-D806-43AC-9DF2-F8C432F32B4C}" type="datetimeFigureOut">
               <a:rPr lang="en-US" smtClean="0"/>
-              <a:t>1/12/2022</a:t>
+              <a:t>1/12/22</a:t>
             </a:fld>
             <a:endParaRPr lang="en-US" dirty="0"/>
           </a:p>
@@ -464,7 +463,7 @@
           <a:p>
             <a:fld id="{E9F9C37B-1D36-470B-8223-D6C91242EC14}" type="datetimeFigureOut">
               <a:rPr lang="en-US" smtClean="0"/>
-              <a:t>1/12/2022</a:t>
+              <a:t>1/12/22</a:t>
             </a:fld>
             <a:endParaRPr lang="en-US" dirty="0"/>
           </a:p>
@@ -644,7 +643,7 @@
           <a:p>
             <a:fld id="{67C6F52A-A82B-47A2-A83A-8C4C91F2D59F}" type="datetimeFigureOut">
               <a:rPr lang="en-US" smtClean="0"/>
-              <a:t>1/12/2022</a:t>
+              <a:t>1/12/22</a:t>
             </a:fld>
             <a:endParaRPr lang="en-US" dirty="0"/>
           </a:p>
@@ -814,7 +813,7 @@
           <a:p>
             <a:fld id="{F070A7B3-6521-4DCA-87E5-044747A908C1}" type="datetimeFigureOut">
               <a:rPr lang="en-US" smtClean="0"/>
-              <a:t>1/12/2022</a:t>
+              <a:t>1/12/22</a:t>
             </a:fld>
             <a:endParaRPr lang="en-US" dirty="0"/>
           </a:p>
@@ -1083,7 +1082,7 @@
           <a:p>
             <a:fld id="{1160EA64-D806-43AC-9DF2-F8C432F32B4C}" type="datetimeFigureOut">
               <a:rPr lang="en-US" smtClean="0"/>
-              <a:t>1/12/2022</a:t>
+              <a:t>1/12/22</a:t>
             </a:fld>
             <a:endParaRPr lang="en-US" dirty="0"/>
           </a:p>
@@ -1316,7 +1315,7 @@
           <a:p>
             <a:fld id="{AB134690-1557-4C89-A502-4959FE7FAD70}" type="datetimeFigureOut">
               <a:rPr lang="en-US" smtClean="0"/>
-              <a:t>1/12/2022</a:t>
+              <a:t>1/12/22</a:t>
             </a:fld>
             <a:endParaRPr lang="en-US" dirty="0"/>
           </a:p>
@@ -1675,7 +1674,7 @@
           <a:p>
             <a:fld id="{4F7D4976-E339-4826-83B7-FBD03F55ECF8}" type="datetimeFigureOut">
               <a:rPr lang="en-US" smtClean="0"/>
-              <a:t>1/12/2022</a:t>
+              <a:t>1/12/22</a:t>
             </a:fld>
             <a:endParaRPr lang="en-US" dirty="0"/>
           </a:p>
@@ -1816,7 +1815,7 @@
           <a:p>
             <a:fld id="{E1037C31-9E7A-4F99-8774-A0E530DE1A42}" type="datetimeFigureOut">
               <a:rPr lang="en-US" smtClean="0"/>
-              <a:t>1/12/2022</a:t>
+              <a:t>1/12/22</a:t>
             </a:fld>
             <a:endParaRPr lang="en-US" dirty="0"/>
           </a:p>
@@ -1911,7 +1910,7 @@
           <a:p>
             <a:fld id="{C278504F-A551-4DE0-9316-4DCD1D8CC752}" type="datetimeFigureOut">
               <a:rPr lang="en-US" smtClean="0"/>
-              <a:t>1/12/2022</a:t>
+              <a:t>1/12/22</a:t>
             </a:fld>
             <a:endParaRPr lang="en-US" dirty="0"/>
           </a:p>
@@ -2268,7 +2267,7 @@
           <a:p>
             <a:fld id="{D1BE4249-C0D0-4B06-8692-E8BB871AF643}" type="datetimeFigureOut">
               <a:rPr lang="en-US" smtClean="0"/>
-              <a:t>1/12/2022</a:t>
+              <a:t>1/12/22</a:t>
             </a:fld>
             <a:endParaRPr lang="en-US" dirty="0"/>
           </a:p>
@@ -2625,7 +2624,7 @@
           <a:p>
             <a:fld id="{042B0DB6-F5C7-45FB-8CF3-31B45F9C2DAC}" type="datetimeFigureOut">
               <a:rPr lang="en-US" smtClean="0"/>
-              <a:t>1/12/2022</a:t>
+              <a:t>1/12/22</a:t>
             </a:fld>
             <a:endParaRPr lang="en-US" dirty="0"/>
           </a:p>
@@ -2867,7 +2866,7 @@
           <a:p>
             <a:fld id="{1160EA64-D806-43AC-9DF2-F8C432F32B4C}" type="datetimeFigureOut">
               <a:rPr lang="en-US" smtClean="0"/>
-              <a:t>1/12/2022</a:t>
+              <a:t>1/12/22</a:t>
             </a:fld>
             <a:endParaRPr lang="en-US" dirty="0"/>
           </a:p>
@@ -3469,10 +3468,10 @@
       </p:sp>
       <p:pic>
         <p:nvPicPr>
-          <p:cNvPr id="4" name="Image 3">
+          <p:cNvPr id="3" name="Image 2">
             <a:extLst>
               <a:ext uri="{FF2B5EF4-FFF2-40B4-BE49-F238E27FC236}">
-                <a16:creationId xmlns:a16="http://schemas.microsoft.com/office/drawing/2014/main" id="{09CF2D14-EFF5-4C7C-8171-5D9803249E30}"/>
+                <a16:creationId xmlns:a16="http://schemas.microsoft.com/office/drawing/2014/main" id="{F9AC9CEE-3034-A848-869B-1DC74E0B8473}"/>
               </a:ext>
             </a:extLst>
           </p:cNvPr>
@@ -3489,8 +3488,37 @@
         </p:blipFill>
         <p:spPr>
           <a:xfrm>
-            <a:off x="2876100" y="1874729"/>
-            <a:ext cx="6439799" cy="4887007"/>
+            <a:off x="1336822" y="1968243"/>
+            <a:ext cx="5327888" cy="4783873"/>
+          </a:xfrm>
+          <a:prstGeom prst="rect">
+            <a:avLst/>
+          </a:prstGeom>
+        </p:spPr>
+      </p:pic>
+      <p:pic>
+        <p:nvPicPr>
+          <p:cNvPr id="12" name="Image 11">
+            <a:extLst>
+              <a:ext uri="{FF2B5EF4-FFF2-40B4-BE49-F238E27FC236}">
+                <a16:creationId xmlns:a16="http://schemas.microsoft.com/office/drawing/2014/main" id="{3A549D86-1405-7B40-A15E-230D57F85A53}"/>
+              </a:ext>
+            </a:extLst>
+          </p:cNvPr>
+          <p:cNvPicPr>
+            <a:picLocks noChangeAspect="1"/>
+          </p:cNvPicPr>
+          <p:nvPr/>
+        </p:nvPicPr>
+        <p:blipFill rotWithShape="1">
+          <a:blip r:embed="rId3"/>
+          <a:srcRect t="12023"/>
+          <a:stretch/>
+        </p:blipFill>
+        <p:spPr>
+          <a:xfrm>
+            <a:off x="5929492" y="3429000"/>
+            <a:ext cx="5677069" cy="1862358"/>
           </a:xfrm>
           <a:prstGeom prst="rect">
             <a:avLst/>
@@ -3569,10 +3597,39 @@
       </p:sp>
       <p:pic>
         <p:nvPicPr>
-          <p:cNvPr id="4" name="Image 3">
+          <p:cNvPr id="7" name="Image 6">
             <a:extLst>
               <a:ext uri="{FF2B5EF4-FFF2-40B4-BE49-F238E27FC236}">
-                <a16:creationId xmlns:a16="http://schemas.microsoft.com/office/drawing/2014/main" id="{D934679B-CAC0-4794-838F-A9297C7EA081}"/>
+                <a16:creationId xmlns:a16="http://schemas.microsoft.com/office/drawing/2014/main" id="{2674E904-00F7-E64D-BD36-AB3B9BB842A1}"/>
+              </a:ext>
+            </a:extLst>
+          </p:cNvPr>
+          <p:cNvPicPr>
+            <a:picLocks noChangeAspect="1"/>
+          </p:cNvPicPr>
+          <p:nvPr/>
+        </p:nvPicPr>
+        <p:blipFill rotWithShape="1">
+          <a:blip r:embed="rId2"/>
+          <a:srcRect t="59511"/>
+          <a:stretch/>
+        </p:blipFill>
+        <p:spPr>
+          <a:xfrm>
+            <a:off x="2917310" y="6044702"/>
+            <a:ext cx="6357383" cy="682824"/>
+          </a:xfrm>
+          <a:prstGeom prst="rect">
+            <a:avLst/>
+          </a:prstGeom>
+        </p:spPr>
+      </p:pic>
+      <p:pic>
+        <p:nvPicPr>
+          <p:cNvPr id="9" name="Image 8">
+            <a:extLst>
+              <a:ext uri="{FF2B5EF4-FFF2-40B4-BE49-F238E27FC236}">
+                <a16:creationId xmlns:a16="http://schemas.microsoft.com/office/drawing/2014/main" id="{6C61924F-1D9B-4447-83EB-18C989EEFE8D}"/>
               </a:ext>
             </a:extLst>
           </p:cNvPr>
@@ -3582,15 +3639,45 @@
           <p:nvPr/>
         </p:nvPicPr>
         <p:blipFill>
-          <a:blip r:embed="rId2"/>
+          <a:blip r:embed="rId3"/>
           <a:stretch>
             <a:fillRect/>
           </a:stretch>
         </p:blipFill>
         <p:spPr>
           <a:xfrm>
-            <a:off x="3119022" y="2389136"/>
-            <a:ext cx="5953956" cy="3162741"/>
+            <a:off x="2917312" y="4773394"/>
+            <a:ext cx="6357379" cy="1269675"/>
+          </a:xfrm>
+          <a:prstGeom prst="rect">
+            <a:avLst/>
+          </a:prstGeom>
+        </p:spPr>
+      </p:pic>
+      <p:pic>
+        <p:nvPicPr>
+          <p:cNvPr id="11" name="Image 10">
+            <a:extLst>
+              <a:ext uri="{FF2B5EF4-FFF2-40B4-BE49-F238E27FC236}">
+                <a16:creationId xmlns:a16="http://schemas.microsoft.com/office/drawing/2014/main" id="{10C3CAD0-A4BB-8C40-87A5-F5B19053C1C7}"/>
+              </a:ext>
+            </a:extLst>
+          </p:cNvPr>
+          <p:cNvPicPr>
+            <a:picLocks noChangeAspect="1"/>
+          </p:cNvPicPr>
+          <p:nvPr/>
+        </p:nvPicPr>
+        <p:blipFill>
+          <a:blip r:embed="rId4"/>
+          <a:stretch>
+            <a:fillRect/>
+          </a:stretch>
+        </p:blipFill>
+        <p:spPr>
+          <a:xfrm>
+            <a:off x="2917310" y="1834509"/>
+            <a:ext cx="6357379" cy="2938885"/>
           </a:xfrm>
           <a:prstGeom prst="rect">
             <a:avLst/>
@@ -3656,27 +3743,39 @@
           <a:lstStyle/>
           <a:p>
             <a:r>
-              <a:rPr lang="fr-FR" sz="2400" dirty="0" err="1"/>
-              <a:t>Get</a:t>
-            </a:r>
-            <a:r>
               <a:rPr lang="fr-FR" sz="2400" dirty="0"/>
-              <a:t> an update </a:t>
+              <a:t>Check if </a:t>
             </a:r>
             <a:r>
               <a:rPr lang="fr-FR" sz="2400" dirty="0" err="1"/>
               <a:t>order</a:t>
             </a:r>
+            <a:r>
+              <a:rPr lang="fr-FR" sz="2400" dirty="0"/>
+              <a:t> </a:t>
+            </a:r>
+            <a:r>
+              <a:rPr lang="fr-FR" sz="2400" dirty="0" err="1"/>
+              <a:t>is</a:t>
+            </a:r>
+            <a:r>
+              <a:rPr lang="fr-FR" sz="2400" dirty="0"/>
+              <a:t> </a:t>
+            </a:r>
+            <a:r>
+              <a:rPr lang="fr-FR" sz="2400" dirty="0" err="1"/>
+              <a:t>updated</a:t>
+            </a:r>
             <a:endParaRPr lang="fr-FR" sz="2400" dirty="0"/>
           </a:p>
         </p:txBody>
       </p:sp>
       <p:pic>
         <p:nvPicPr>
-          <p:cNvPr id="7" name="Image 6">
+          <p:cNvPr id="3" name="Image 2">
             <a:extLst>
               <a:ext uri="{FF2B5EF4-FFF2-40B4-BE49-F238E27FC236}">
-                <a16:creationId xmlns:a16="http://schemas.microsoft.com/office/drawing/2014/main" id="{E4F20214-EB70-4FA4-BE78-4310EBB0A96D}"/>
+                <a16:creationId xmlns:a16="http://schemas.microsoft.com/office/drawing/2014/main" id="{BF6C579A-3D5E-3B40-B616-BAF2C3669DCF}"/>
               </a:ext>
             </a:extLst>
           </p:cNvPr>
@@ -3693,8 +3792,8 @@
         </p:blipFill>
         <p:spPr>
           <a:xfrm>
-            <a:off x="3014232" y="2396326"/>
-            <a:ext cx="6163535" cy="3105583"/>
+            <a:off x="2711450" y="1974540"/>
+            <a:ext cx="6769100" cy="4559300"/>
           </a:xfrm>
           <a:prstGeom prst="rect">
             <a:avLst/>
@@ -3704,7 +3803,7 @@
     </p:spTree>
     <p:extLst>
       <p:ext uri="{BB962C8B-B14F-4D97-AF65-F5344CB8AC3E}">
-        <p14:creationId xmlns:p14="http://schemas.microsoft.com/office/powerpoint/2010/main" val="995592719"/>
+        <p14:creationId xmlns:p14="http://schemas.microsoft.com/office/powerpoint/2010/main" val="224390235"/>
       </p:ext>
     </p:extLst>
   </p:cSld>
@@ -3773,10 +3872,10 @@
       </p:sp>
       <p:pic>
         <p:nvPicPr>
-          <p:cNvPr id="4" name="Image 3">
+          <p:cNvPr id="3" name="Image 2">
             <a:extLst>
               <a:ext uri="{FF2B5EF4-FFF2-40B4-BE49-F238E27FC236}">
-                <a16:creationId xmlns:a16="http://schemas.microsoft.com/office/drawing/2014/main" id="{5506196C-6B8E-49E8-B674-24140F902564}"/>
+                <a16:creationId xmlns:a16="http://schemas.microsoft.com/office/drawing/2014/main" id="{8F2DC0F3-8698-1240-BBA7-2553262B1AD9}"/>
               </a:ext>
             </a:extLst>
           </p:cNvPr>
@@ -3793,8 +3892,8 @@
         </p:blipFill>
         <p:spPr>
           <a:xfrm>
-            <a:off x="3057101" y="2463720"/>
-            <a:ext cx="6077798" cy="2819794"/>
+            <a:off x="2146300" y="2024839"/>
+            <a:ext cx="7899400" cy="4559300"/>
           </a:xfrm>
           <a:prstGeom prst="rect">
             <a:avLst/>
@@ -3861,66 +3960,20 @@
           <a:p>
             <a:r>
               <a:rPr lang="fr-FR" sz="2400" dirty="0"/>
-              <a:t>Check if </a:t>
+              <a:t>Collection </a:t>
             </a:r>
             <a:r>
               <a:rPr lang="fr-FR" sz="2400" dirty="0" err="1"/>
-              <a:t>order</a:t>
-            </a:r>
-            <a:r>
-              <a:rPr lang="fr-FR" sz="2400" dirty="0"/>
-              <a:t> </a:t>
-            </a:r>
-            <a:r>
-              <a:rPr lang="fr-FR" sz="2400" dirty="0" err="1"/>
-              <a:t>is</a:t>
-            </a:r>
-            <a:r>
-              <a:rPr lang="fr-FR" sz="2400" dirty="0"/>
-              <a:t> </a:t>
-            </a:r>
-            <a:r>
-              <a:rPr lang="fr-FR" sz="2400" dirty="0" err="1"/>
-              <a:t>deleted</a:t>
+              <a:t>runner</a:t>
             </a:r>
             <a:endParaRPr lang="fr-FR" sz="2400" dirty="0"/>
           </a:p>
         </p:txBody>
       </p:sp>
-      <p:pic>
-        <p:nvPicPr>
-          <p:cNvPr id="4" name="Image 3">
-            <a:extLst>
-              <a:ext uri="{FF2B5EF4-FFF2-40B4-BE49-F238E27FC236}">
-                <a16:creationId xmlns:a16="http://schemas.microsoft.com/office/drawing/2014/main" id="{2FA4966B-4340-4DB8-872B-1861102093A3}"/>
-              </a:ext>
-            </a:extLst>
-          </p:cNvPr>
-          <p:cNvPicPr>
-            <a:picLocks noChangeAspect="1"/>
-          </p:cNvPicPr>
-          <p:nvPr/>
-        </p:nvPicPr>
-        <p:blipFill>
-          <a:blip r:embed="rId2"/>
-          <a:stretch>
-            <a:fillRect/>
-          </a:stretch>
-        </p:blipFill>
-        <p:spPr>
-          <a:xfrm>
-            <a:off x="3176180" y="2497207"/>
-            <a:ext cx="5839640" cy="3172268"/>
-          </a:xfrm>
-          <a:prstGeom prst="rect">
-            <a:avLst/>
-          </a:prstGeom>
-        </p:spPr>
-      </p:pic>
     </p:spTree>
     <p:extLst>
       <p:ext uri="{BB962C8B-B14F-4D97-AF65-F5344CB8AC3E}">
-        <p14:creationId xmlns:p14="http://schemas.microsoft.com/office/powerpoint/2010/main" val="1537125350"/>
+        <p14:creationId xmlns:p14="http://schemas.microsoft.com/office/powerpoint/2010/main" val="4039728033"/>
       </p:ext>
     </p:extLst>
   </p:cSld>
@@ -3983,16 +4036,24 @@
               <a:rPr lang="fr-FR" sz="2400" dirty="0" err="1"/>
               <a:t>runner</a:t>
             </a:r>
+            <a:r>
+              <a:rPr lang="fr-FR" sz="2400" dirty="0"/>
+              <a:t> w/ </a:t>
+            </a:r>
+            <a:r>
+              <a:rPr lang="fr-FR" sz="2400" dirty="0" err="1"/>
+              <a:t>newman</a:t>
+            </a:r>
             <a:endParaRPr lang="fr-FR" sz="2400" dirty="0"/>
           </a:p>
         </p:txBody>
       </p:sp>
       <p:pic>
         <p:nvPicPr>
-          <p:cNvPr id="4" name="Image 3">
+          <p:cNvPr id="10" name="Image 9">
             <a:extLst>
               <a:ext uri="{FF2B5EF4-FFF2-40B4-BE49-F238E27FC236}">
-                <a16:creationId xmlns:a16="http://schemas.microsoft.com/office/drawing/2014/main" id="{881B03FC-0AE6-4C3C-AE8B-7C5A189E5937}"/>
+                <a16:creationId xmlns:a16="http://schemas.microsoft.com/office/drawing/2014/main" id="{0037D0B7-0364-4DFE-95AA-7B6E7675BCDB}"/>
               </a:ext>
             </a:extLst>
           </p:cNvPr>
@@ -4009,68 +4070,8 @@
         </p:blipFill>
         <p:spPr>
           <a:xfrm>
-            <a:off x="568609" y="2166429"/>
-            <a:ext cx="3692193" cy="4240635"/>
-          </a:xfrm>
-          <a:prstGeom prst="rect">
-            <a:avLst/>
-          </a:prstGeom>
-        </p:spPr>
-      </p:pic>
-      <p:pic>
-        <p:nvPicPr>
-          <p:cNvPr id="5" name="Image 4">
-            <a:extLst>
-              <a:ext uri="{FF2B5EF4-FFF2-40B4-BE49-F238E27FC236}">
-                <a16:creationId xmlns:a16="http://schemas.microsoft.com/office/drawing/2014/main" id="{9E84634E-B76E-42F8-A449-0314B4237463}"/>
-              </a:ext>
-            </a:extLst>
-          </p:cNvPr>
-          <p:cNvPicPr>
-            <a:picLocks noChangeAspect="1"/>
-          </p:cNvPicPr>
-          <p:nvPr/>
-        </p:nvPicPr>
-        <p:blipFill>
-          <a:blip r:embed="rId3"/>
-          <a:stretch>
-            <a:fillRect/>
-          </a:stretch>
-        </p:blipFill>
-        <p:spPr>
-          <a:xfrm>
-            <a:off x="4382444" y="2166428"/>
-            <a:ext cx="3176037" cy="4238565"/>
-          </a:xfrm>
-          <a:prstGeom prst="rect">
-            <a:avLst/>
-          </a:prstGeom>
-        </p:spPr>
-      </p:pic>
-      <p:pic>
-        <p:nvPicPr>
-          <p:cNvPr id="7" name="Image 6">
-            <a:extLst>
-              <a:ext uri="{FF2B5EF4-FFF2-40B4-BE49-F238E27FC236}">
-                <a16:creationId xmlns:a16="http://schemas.microsoft.com/office/drawing/2014/main" id="{41174890-A910-487D-A29C-3716E916ED71}"/>
-              </a:ext>
-            </a:extLst>
-          </p:cNvPr>
-          <p:cNvPicPr>
-            <a:picLocks noChangeAspect="1"/>
-          </p:cNvPicPr>
-          <p:nvPr/>
-        </p:nvPicPr>
-        <p:blipFill>
-          <a:blip r:embed="rId4"/>
-          <a:stretch>
-            <a:fillRect/>
-          </a:stretch>
-        </p:blipFill>
-        <p:spPr>
-          <a:xfrm>
-            <a:off x="7680123" y="2166429"/>
-            <a:ext cx="3692193" cy="4249005"/>
+            <a:off x="1475730" y="2110039"/>
+            <a:ext cx="9240540" cy="3896269"/>
           </a:xfrm>
           <a:prstGeom prst="rect">
             <a:avLst/>
@@ -4080,7 +4081,7 @@
     </p:spTree>
     <p:extLst>
       <p:ext uri="{BB962C8B-B14F-4D97-AF65-F5344CB8AC3E}">
-        <p14:creationId xmlns:p14="http://schemas.microsoft.com/office/powerpoint/2010/main" val="4039728033"/>
+        <p14:creationId xmlns:p14="http://schemas.microsoft.com/office/powerpoint/2010/main" val="4141925385"/>
       </p:ext>
     </p:extLst>
   </p:cSld>
@@ -4155,40 +4156,45 @@
           </a:p>
         </p:txBody>
       </p:sp>
-      <p:pic>
-        <p:nvPicPr>
-          <p:cNvPr id="10" name="Image 9">
+      <p:sp>
+        <p:nvSpPr>
+          <p:cNvPr id="7" name="ZoneTexte 6">
             <a:extLst>
               <a:ext uri="{FF2B5EF4-FFF2-40B4-BE49-F238E27FC236}">
-                <a16:creationId xmlns:a16="http://schemas.microsoft.com/office/drawing/2014/main" id="{0037D0B7-0364-4DFE-95AA-7B6E7675BCDB}"/>
+                <a16:creationId xmlns:a16="http://schemas.microsoft.com/office/drawing/2014/main" id="{8F4AE71C-6C5A-491A-B94D-185108F2C1DE}"/>
               </a:ext>
             </a:extLst>
           </p:cNvPr>
-          <p:cNvPicPr>
-            <a:picLocks noChangeAspect="1"/>
-          </p:cNvPicPr>
+          <p:cNvSpPr txBox="1"/>
           <p:nvPr/>
-        </p:nvPicPr>
-        <p:blipFill>
-          <a:blip r:embed="rId2"/>
-          <a:stretch>
-            <a:fillRect/>
-          </a:stretch>
-        </p:blipFill>
-        <p:spPr>
-          <a:xfrm>
-            <a:off x="1475730" y="2110039"/>
-            <a:ext cx="9240540" cy="3896269"/>
+        </p:nvSpPr>
+        <p:spPr>
+          <a:xfrm>
+            <a:off x="2750599" y="1717184"/>
+            <a:ext cx="7064519" cy="369332"/>
           </a:xfrm>
           <a:prstGeom prst="rect">
             <a:avLst/>
           </a:prstGeom>
-        </p:spPr>
-      </p:pic>
+          <a:noFill/>
+        </p:spPr>
+        <p:txBody>
+          <a:bodyPr wrap="square">
+            <a:spAutoFit/>
+          </a:bodyPr>
+          <a:lstStyle/>
+          <a:p>
+            <a:r>
+              <a:rPr lang="fr-BE" dirty="0"/>
+              <a:t>https://www.getpostman.com/collections/ac2cbb00e3d0b4dd8a63</a:t>
+            </a:r>
+          </a:p>
+        </p:txBody>
+      </p:sp>
     </p:spTree>
     <p:extLst>
       <p:ext uri="{BB962C8B-B14F-4D97-AF65-F5344CB8AC3E}">
-        <p14:creationId xmlns:p14="http://schemas.microsoft.com/office/powerpoint/2010/main" val="4141925385"/>
+        <p14:creationId xmlns:p14="http://schemas.microsoft.com/office/powerpoint/2010/main" val="3196470537"/>
       </p:ext>
     </p:extLst>
   </p:cSld>
@@ -4263,36 +4269,6 @@
           </a:p>
         </p:txBody>
       </p:sp>
-      <p:pic>
-        <p:nvPicPr>
-          <p:cNvPr id="3" name="Image 2">
-            <a:extLst>
-              <a:ext uri="{FF2B5EF4-FFF2-40B4-BE49-F238E27FC236}">
-                <a16:creationId xmlns:a16="http://schemas.microsoft.com/office/drawing/2014/main" id="{D2E4F40A-23B3-44E0-AB6A-6B1CD0D18124}"/>
-              </a:ext>
-            </a:extLst>
-          </p:cNvPr>
-          <p:cNvPicPr>
-            <a:picLocks noChangeAspect="1"/>
-          </p:cNvPicPr>
-          <p:nvPr/>
-        </p:nvPicPr>
-        <p:blipFill>
-          <a:blip r:embed="rId2"/>
-          <a:stretch>
-            <a:fillRect/>
-          </a:stretch>
-        </p:blipFill>
-        <p:spPr>
-          <a:xfrm>
-            <a:off x="979692" y="2181138"/>
-            <a:ext cx="4749830" cy="4369300"/>
-          </a:xfrm>
-          <a:prstGeom prst="rect">
-            <a:avLst/>
-          </a:prstGeom>
-        </p:spPr>
-      </p:pic>
       <p:sp>
         <p:nvSpPr>
           <p:cNvPr id="7" name="ZoneTexte 6">
@@ -4328,179 +4304,6 @@
           </a:p>
         </p:txBody>
       </p:sp>
-      <p:pic>
-        <p:nvPicPr>
-          <p:cNvPr id="8" name="Image 7">
-            <a:extLst>
-              <a:ext uri="{FF2B5EF4-FFF2-40B4-BE49-F238E27FC236}">
-                <a16:creationId xmlns:a16="http://schemas.microsoft.com/office/drawing/2014/main" id="{ED52E01C-A602-4C5E-95B2-A809ACC0554A}"/>
-              </a:ext>
-            </a:extLst>
-          </p:cNvPr>
-          <p:cNvPicPr>
-            <a:picLocks noChangeAspect="1"/>
-          </p:cNvPicPr>
-          <p:nvPr/>
-        </p:nvPicPr>
-        <p:blipFill>
-          <a:blip r:embed="rId3"/>
-          <a:stretch>
-            <a:fillRect/>
-          </a:stretch>
-        </p:blipFill>
-        <p:spPr>
-          <a:xfrm>
-            <a:off x="5961865" y="2181138"/>
-            <a:ext cx="5463283" cy="4369300"/>
-          </a:xfrm>
-          <a:prstGeom prst="rect">
-            <a:avLst/>
-          </a:prstGeom>
-        </p:spPr>
-      </p:pic>
-    </p:spTree>
-    <p:extLst>
-      <p:ext uri="{BB962C8B-B14F-4D97-AF65-F5344CB8AC3E}">
-        <p14:creationId xmlns:p14="http://schemas.microsoft.com/office/powerpoint/2010/main" val="3196470537"/>
-      </p:ext>
-    </p:extLst>
-  </p:cSld>
-  <p:clrMapOvr>
-    <a:masterClrMapping/>
-  </p:clrMapOvr>
-</p:sld>
-</file>
-
-<file path=ppt/slides/slide18.xml><?xml version="1.0" encoding="utf-8"?>
-<p:sld xmlns:a="http://schemas.openxmlformats.org/drawingml/2006/main" xmlns:r="http://schemas.openxmlformats.org/officeDocument/2006/relationships" xmlns:p="http://schemas.openxmlformats.org/presentationml/2006/main">
-  <p:cSld>
-    <p:spTree>
-      <p:nvGrpSpPr>
-        <p:cNvPr id="1" name=""/>
-        <p:cNvGrpSpPr/>
-        <p:nvPr/>
-      </p:nvGrpSpPr>
-      <p:grpSpPr>
-        <a:xfrm>
-          <a:off x="0" y="0"/>
-          <a:ext cx="0" cy="0"/>
-          <a:chOff x="0" y="0"/>
-          <a:chExt cx="0" cy="0"/>
-        </a:xfrm>
-      </p:grpSpPr>
-      <p:sp>
-        <p:nvSpPr>
-          <p:cNvPr id="6" name="Titre 1">
-            <a:extLst>
-              <a:ext uri="{FF2B5EF4-FFF2-40B4-BE49-F238E27FC236}">
-                <a16:creationId xmlns:a16="http://schemas.microsoft.com/office/drawing/2014/main" id="{CA4ED5D0-9069-451C-BE2F-3574E2D79BCE}"/>
-              </a:ext>
-            </a:extLst>
-          </p:cNvPr>
-          <p:cNvSpPr>
-            <a:spLocks noGrp="1"/>
-          </p:cNvSpPr>
-          <p:nvPr>
-            <p:ph type="title"/>
-          </p:nvPr>
-        </p:nvSpPr>
-        <p:spPr>
-          <a:xfrm>
-            <a:off x="2231136" y="528464"/>
-            <a:ext cx="7729728" cy="1188720"/>
-          </a:xfrm>
-        </p:spPr>
-        <p:txBody>
-          <a:bodyPr>
-            <a:normAutofit/>
-          </a:bodyPr>
-          <a:lstStyle/>
-          <a:p>
-            <a:r>
-              <a:rPr lang="fr-FR" sz="2400" dirty="0"/>
-              <a:t>Collection </a:t>
-            </a:r>
-            <a:r>
-              <a:rPr lang="fr-FR" sz="2400" dirty="0" err="1"/>
-              <a:t>runner</a:t>
-            </a:r>
-            <a:r>
-              <a:rPr lang="fr-FR" sz="2400" dirty="0"/>
-              <a:t> w/ </a:t>
-            </a:r>
-            <a:r>
-              <a:rPr lang="fr-FR" sz="2400" dirty="0" err="1"/>
-              <a:t>newman</a:t>
-            </a:r>
-            <a:endParaRPr lang="fr-FR" sz="2400" dirty="0"/>
-          </a:p>
-        </p:txBody>
-      </p:sp>
-      <p:sp>
-        <p:nvSpPr>
-          <p:cNvPr id="7" name="ZoneTexte 6">
-            <a:extLst>
-              <a:ext uri="{FF2B5EF4-FFF2-40B4-BE49-F238E27FC236}">
-                <a16:creationId xmlns:a16="http://schemas.microsoft.com/office/drawing/2014/main" id="{8F4AE71C-6C5A-491A-B94D-185108F2C1DE}"/>
-              </a:ext>
-            </a:extLst>
-          </p:cNvPr>
-          <p:cNvSpPr txBox="1"/>
-          <p:nvPr/>
-        </p:nvSpPr>
-        <p:spPr>
-          <a:xfrm>
-            <a:off x="2750599" y="1717184"/>
-            <a:ext cx="7064519" cy="369332"/>
-          </a:xfrm>
-          <a:prstGeom prst="rect">
-            <a:avLst/>
-          </a:prstGeom>
-          <a:noFill/>
-        </p:spPr>
-        <p:txBody>
-          <a:bodyPr wrap="square">
-            <a:spAutoFit/>
-          </a:bodyPr>
-          <a:lstStyle/>
-          <a:p>
-            <a:r>
-              <a:rPr lang="fr-BE" dirty="0"/>
-              <a:t>https://www.getpostman.com/collections/ac2cbb00e3d0b4dd8a63</a:t>
-            </a:r>
-          </a:p>
-        </p:txBody>
-      </p:sp>
-      <p:pic>
-        <p:nvPicPr>
-          <p:cNvPr id="4" name="Image 3">
-            <a:extLst>
-              <a:ext uri="{FF2B5EF4-FFF2-40B4-BE49-F238E27FC236}">
-                <a16:creationId xmlns:a16="http://schemas.microsoft.com/office/drawing/2014/main" id="{7AC86E44-D2E2-44D4-A99D-CD77467A1351}"/>
-              </a:ext>
-            </a:extLst>
-          </p:cNvPr>
-          <p:cNvPicPr>
-            <a:picLocks noChangeAspect="1"/>
-          </p:cNvPicPr>
-          <p:nvPr/>
-        </p:nvPicPr>
-        <p:blipFill>
-          <a:blip r:embed="rId2"/>
-          <a:stretch>
-            <a:fillRect/>
-          </a:stretch>
-        </p:blipFill>
-        <p:spPr>
-          <a:xfrm>
-            <a:off x="2563740" y="2132777"/>
-            <a:ext cx="7064519" cy="4591937"/>
-          </a:xfrm>
-          <a:prstGeom prst="rect">
-            <a:avLst/>
-          </a:prstGeom>
-        </p:spPr>
-      </p:pic>
     </p:spTree>
     <p:extLst>
       <p:ext uri="{BB962C8B-B14F-4D97-AF65-F5344CB8AC3E}">
@@ -4514,7 +4317,7 @@
 </p:sld>
 </file>
 
-<file path=ppt/slides/slide19.xml><?xml version="1.0" encoding="utf-8"?>
+<file path=ppt/slides/slide18.xml><?xml version="1.0" encoding="utf-8"?>
 <p:sld xmlns:a="http://schemas.openxmlformats.org/drawingml/2006/main" xmlns:r="http://schemas.openxmlformats.org/officeDocument/2006/relationships" xmlns:p="http://schemas.openxmlformats.org/presentationml/2006/main">
   <p:cSld>
     <p:spTree>
@@ -4758,8 +4561,38 @@
         </p:blipFill>
         <p:spPr>
           <a:xfrm>
-            <a:off x="3176180" y="2359785"/>
+            <a:off x="3176180" y="1805303"/>
             <a:ext cx="5839640" cy="3296110"/>
+          </a:xfrm>
+          <a:prstGeom prst="rect">
+            <a:avLst/>
+          </a:prstGeom>
+        </p:spPr>
+      </p:pic>
+      <p:pic>
+        <p:nvPicPr>
+          <p:cNvPr id="3" name="Image 2">
+            <a:extLst>
+              <a:ext uri="{FF2B5EF4-FFF2-40B4-BE49-F238E27FC236}">
+                <a16:creationId xmlns:a16="http://schemas.microsoft.com/office/drawing/2014/main" id="{03BB0A4D-E3A0-114A-8DA7-62ADB094B381}"/>
+              </a:ext>
+            </a:extLst>
+          </p:cNvPr>
+          <p:cNvPicPr>
+            <a:picLocks noChangeAspect="1"/>
+          </p:cNvPicPr>
+          <p:nvPr/>
+        </p:nvPicPr>
+        <p:blipFill>
+          <a:blip r:embed="rId3"/>
+          <a:stretch>
+            <a:fillRect/>
+          </a:stretch>
+        </p:blipFill>
+        <p:spPr>
+          <a:xfrm>
+            <a:off x="3176180" y="5077470"/>
+            <a:ext cx="5839640" cy="1780530"/>
           </a:xfrm>
           <a:prstGeom prst="rect">
             <a:avLst/>
@@ -4988,8 +4821,38 @@
         </p:blipFill>
         <p:spPr>
           <a:xfrm>
-            <a:off x="2440465" y="2575420"/>
+            <a:off x="971351" y="2156947"/>
             <a:ext cx="7311070" cy="3101666"/>
+          </a:xfrm>
+          <a:prstGeom prst="rect">
+            <a:avLst/>
+          </a:prstGeom>
+        </p:spPr>
+      </p:pic>
+      <p:pic>
+        <p:nvPicPr>
+          <p:cNvPr id="4" name="Image 3">
+            <a:extLst>
+              <a:ext uri="{FF2B5EF4-FFF2-40B4-BE49-F238E27FC236}">
+                <a16:creationId xmlns:a16="http://schemas.microsoft.com/office/drawing/2014/main" id="{7A026C7D-F01A-1C49-B25B-4AA180334659}"/>
+              </a:ext>
+            </a:extLst>
+          </p:cNvPr>
+          <p:cNvPicPr>
+            <a:picLocks noChangeAspect="1"/>
+          </p:cNvPicPr>
+          <p:nvPr/>
+        </p:nvPicPr>
+        <p:blipFill>
+          <a:blip r:embed="rId3"/>
+          <a:stretch>
+            <a:fillRect/>
+          </a:stretch>
+        </p:blipFill>
+        <p:spPr>
+          <a:xfrm>
+            <a:off x="7066880" y="2878243"/>
+            <a:ext cx="4153769" cy="3451293"/>
           </a:xfrm>
           <a:prstGeom prst="rect">
             <a:avLst/>
@@ -5075,10 +4938,10 @@
       </p:sp>
       <p:pic>
         <p:nvPicPr>
-          <p:cNvPr id="3" name="Image 2">
+          <p:cNvPr id="4" name="Image 3">
             <a:extLst>
               <a:ext uri="{FF2B5EF4-FFF2-40B4-BE49-F238E27FC236}">
-                <a16:creationId xmlns:a16="http://schemas.microsoft.com/office/drawing/2014/main" id="{FE24672A-8946-4F18-946E-C945508EFFEC}"/>
+                <a16:creationId xmlns:a16="http://schemas.microsoft.com/office/drawing/2014/main" id="{C778A34A-C108-A045-9763-0426EC210381}"/>
               </a:ext>
             </a:extLst>
           </p:cNvPr>
@@ -5095,8 +4958,68 @@
         </p:blipFill>
         <p:spPr>
           <a:xfrm>
-            <a:off x="3977033" y="1897928"/>
-            <a:ext cx="4237934" cy="4784313"/>
+            <a:off x="6606320" y="3963216"/>
+            <a:ext cx="4743286" cy="2619900"/>
+          </a:xfrm>
+          <a:prstGeom prst="rect">
+            <a:avLst/>
+          </a:prstGeom>
+        </p:spPr>
+      </p:pic>
+      <p:pic>
+        <p:nvPicPr>
+          <p:cNvPr id="8" name="Image 7">
+            <a:extLst>
+              <a:ext uri="{FF2B5EF4-FFF2-40B4-BE49-F238E27FC236}">
+                <a16:creationId xmlns:a16="http://schemas.microsoft.com/office/drawing/2014/main" id="{C2069FDC-6DAB-594E-82AB-F6BF6FAC0492}"/>
+              </a:ext>
+            </a:extLst>
+          </p:cNvPr>
+          <p:cNvPicPr>
+            <a:picLocks noChangeAspect="1"/>
+          </p:cNvPicPr>
+          <p:nvPr/>
+        </p:nvPicPr>
+        <p:blipFill>
+          <a:blip r:embed="rId3"/>
+          <a:stretch>
+            <a:fillRect/>
+          </a:stretch>
+        </p:blipFill>
+        <p:spPr>
+          <a:xfrm>
+            <a:off x="6606319" y="1921906"/>
+            <a:ext cx="4743287" cy="1879226"/>
+          </a:xfrm>
+          <a:prstGeom prst="rect">
+            <a:avLst/>
+          </a:prstGeom>
+        </p:spPr>
+      </p:pic>
+      <p:pic>
+        <p:nvPicPr>
+          <p:cNvPr id="10" name="Image 9">
+            <a:extLst>
+              <a:ext uri="{FF2B5EF4-FFF2-40B4-BE49-F238E27FC236}">
+                <a16:creationId xmlns:a16="http://schemas.microsoft.com/office/drawing/2014/main" id="{443E7B69-AC8D-8B46-B5B9-4698626618E2}"/>
+              </a:ext>
+            </a:extLst>
+          </p:cNvPr>
+          <p:cNvPicPr>
+            <a:picLocks noChangeAspect="1"/>
+          </p:cNvPicPr>
+          <p:nvPr/>
+        </p:nvPicPr>
+        <p:blipFill>
+          <a:blip r:embed="rId4"/>
+          <a:stretch>
+            <a:fillRect/>
+          </a:stretch>
+        </p:blipFill>
+        <p:spPr>
+          <a:xfrm>
+            <a:off x="768967" y="1921906"/>
+            <a:ext cx="5589034" cy="4661210"/>
           </a:xfrm>
           <a:prstGeom prst="rect">
             <a:avLst/>
@@ -5174,10 +5097,10 @@
       </p:sp>
       <p:pic>
         <p:nvPicPr>
-          <p:cNvPr id="3" name="Image 2">
+          <p:cNvPr id="4" name="Image 3">
             <a:extLst>
               <a:ext uri="{FF2B5EF4-FFF2-40B4-BE49-F238E27FC236}">
-                <a16:creationId xmlns:a16="http://schemas.microsoft.com/office/drawing/2014/main" id="{158AE2FF-E6F5-45C9-9825-038670DC8866}"/>
+                <a16:creationId xmlns:a16="http://schemas.microsoft.com/office/drawing/2014/main" id="{F064B283-31A9-BE41-BFE6-54D5285D7596}"/>
               </a:ext>
             </a:extLst>
           </p:cNvPr>
@@ -5194,8 +5117,8 @@
         </p:blipFill>
         <p:spPr>
           <a:xfrm>
-            <a:off x="109648" y="1844126"/>
-            <a:ext cx="5915851" cy="2457793"/>
+            <a:off x="219096" y="4381282"/>
+            <a:ext cx="5275904" cy="1519068"/>
           </a:xfrm>
           <a:prstGeom prst="rect">
             <a:avLst/>
@@ -5204,10 +5127,10 @@
       </p:pic>
       <p:pic>
         <p:nvPicPr>
-          <p:cNvPr id="5" name="Image 4">
+          <p:cNvPr id="8" name="Image 7">
             <a:extLst>
               <a:ext uri="{FF2B5EF4-FFF2-40B4-BE49-F238E27FC236}">
-                <a16:creationId xmlns:a16="http://schemas.microsoft.com/office/drawing/2014/main" id="{40E533BB-187F-4BFF-B2E4-3BDE1FD456AE}"/>
+                <a16:creationId xmlns:a16="http://schemas.microsoft.com/office/drawing/2014/main" id="{8107579B-3954-1C4D-A465-F348D4D9A7C7}"/>
               </a:ext>
             </a:extLst>
           </p:cNvPr>
@@ -5224,8 +5147,68 @@
         </p:blipFill>
         <p:spPr>
           <a:xfrm>
-            <a:off x="5604448" y="3483235"/>
-            <a:ext cx="6477904" cy="3315163"/>
+            <a:off x="219098" y="2669466"/>
+            <a:ext cx="5275902" cy="1519068"/>
+          </a:xfrm>
+          <a:prstGeom prst="rect">
+            <a:avLst/>
+          </a:prstGeom>
+        </p:spPr>
+      </p:pic>
+      <p:pic>
+        <p:nvPicPr>
+          <p:cNvPr id="10" name="Image 9">
+            <a:extLst>
+              <a:ext uri="{FF2B5EF4-FFF2-40B4-BE49-F238E27FC236}">
+                <a16:creationId xmlns:a16="http://schemas.microsoft.com/office/drawing/2014/main" id="{3DB1ACDC-73A7-0F43-9664-4350652CA2DD}"/>
+              </a:ext>
+            </a:extLst>
+          </p:cNvPr>
+          <p:cNvPicPr>
+            <a:picLocks noChangeAspect="1"/>
+          </p:cNvPicPr>
+          <p:nvPr/>
+        </p:nvPicPr>
+        <p:blipFill>
+          <a:blip r:embed="rId4"/>
+          <a:stretch>
+            <a:fillRect/>
+          </a:stretch>
+        </p:blipFill>
+        <p:spPr>
+          <a:xfrm>
+            <a:off x="5772016" y="5501187"/>
+            <a:ext cx="5379394" cy="1097213"/>
+          </a:xfrm>
+          <a:prstGeom prst="rect">
+            <a:avLst/>
+          </a:prstGeom>
+        </p:spPr>
+      </p:pic>
+      <p:pic>
+        <p:nvPicPr>
+          <p:cNvPr id="14" name="Image 13">
+            <a:extLst>
+              <a:ext uri="{FF2B5EF4-FFF2-40B4-BE49-F238E27FC236}">
+                <a16:creationId xmlns:a16="http://schemas.microsoft.com/office/drawing/2014/main" id="{F35E8F21-141E-E143-9E18-6DA7CA1A14E3}"/>
+              </a:ext>
+            </a:extLst>
+          </p:cNvPr>
+          <p:cNvPicPr>
+            <a:picLocks noChangeAspect="1"/>
+          </p:cNvPicPr>
+          <p:nvPr/>
+        </p:nvPicPr>
+        <p:blipFill>
+          <a:blip r:embed="rId5"/>
+          <a:stretch>
+            <a:fillRect/>
+          </a:stretch>
+        </p:blipFill>
+        <p:spPr>
+          <a:xfrm>
+            <a:off x="5772016" y="1921109"/>
+            <a:ext cx="5379394" cy="3376153"/>
           </a:xfrm>
           <a:prstGeom prst="rect">
             <a:avLst/>
@@ -5303,10 +5286,10 @@
       </p:sp>
       <p:pic>
         <p:nvPicPr>
-          <p:cNvPr id="3" name="Image 2">
+          <p:cNvPr id="4" name="Image 3">
             <a:extLst>
               <a:ext uri="{FF2B5EF4-FFF2-40B4-BE49-F238E27FC236}">
-                <a16:creationId xmlns:a16="http://schemas.microsoft.com/office/drawing/2014/main" id="{95C37A66-C120-418E-9FF9-95E6CEDB4DE1}"/>
+                <a16:creationId xmlns:a16="http://schemas.microsoft.com/office/drawing/2014/main" id="{7817F4D6-0E1D-0643-B245-E8DA8DDB09A8}"/>
               </a:ext>
             </a:extLst>
           </p:cNvPr>
@@ -5323,8 +5306,8 @@
         </p:blipFill>
         <p:spPr>
           <a:xfrm>
-            <a:off x="381936" y="1864757"/>
-            <a:ext cx="5992061" cy="2524477"/>
+            <a:off x="325546" y="1809002"/>
+            <a:ext cx="6455664" cy="1499616"/>
           </a:xfrm>
           <a:prstGeom prst="rect">
             <a:avLst/>
@@ -5333,10 +5316,10 @@
       </p:pic>
       <p:pic>
         <p:nvPicPr>
-          <p:cNvPr id="5" name="Image 4">
+          <p:cNvPr id="8" name="Image 7">
             <a:extLst>
               <a:ext uri="{FF2B5EF4-FFF2-40B4-BE49-F238E27FC236}">
-                <a16:creationId xmlns:a16="http://schemas.microsoft.com/office/drawing/2014/main" id="{921EE1C2-F662-4594-92DD-8229C02C5453}"/>
+                <a16:creationId xmlns:a16="http://schemas.microsoft.com/office/drawing/2014/main" id="{76FA80D3-09FC-174D-8A49-12EBCFD1C26B}"/>
               </a:ext>
             </a:extLst>
           </p:cNvPr>
@@ -5353,8 +5336,68 @@
         </p:blipFill>
         <p:spPr>
           <a:xfrm>
-            <a:off x="6771017" y="1864757"/>
-            <a:ext cx="4808862" cy="4884952"/>
+            <a:off x="7036034" y="1809002"/>
+            <a:ext cx="4830420" cy="4993243"/>
+          </a:xfrm>
+          <a:prstGeom prst="rect">
+            <a:avLst/>
+          </a:prstGeom>
+        </p:spPr>
+      </p:pic>
+      <p:pic>
+        <p:nvPicPr>
+          <p:cNvPr id="12" name="Image 11">
+            <a:extLst>
+              <a:ext uri="{FF2B5EF4-FFF2-40B4-BE49-F238E27FC236}">
+                <a16:creationId xmlns:a16="http://schemas.microsoft.com/office/drawing/2014/main" id="{5183FEA2-DD00-674A-98A8-D5F805D57129}"/>
+              </a:ext>
+            </a:extLst>
+          </p:cNvPr>
+          <p:cNvPicPr>
+            <a:picLocks noChangeAspect="1"/>
+          </p:cNvPicPr>
+          <p:nvPr/>
+        </p:nvPicPr>
+        <p:blipFill>
+          <a:blip r:embed="rId4"/>
+          <a:stretch>
+            <a:fillRect/>
+          </a:stretch>
+        </p:blipFill>
+        <p:spPr>
+          <a:xfrm>
+            <a:off x="325546" y="3504081"/>
+            <a:ext cx="6455664" cy="1603084"/>
+          </a:xfrm>
+          <a:prstGeom prst="rect">
+            <a:avLst/>
+          </a:prstGeom>
+        </p:spPr>
+      </p:pic>
+      <p:pic>
+        <p:nvPicPr>
+          <p:cNvPr id="14" name="Image 13">
+            <a:extLst>
+              <a:ext uri="{FF2B5EF4-FFF2-40B4-BE49-F238E27FC236}">
+                <a16:creationId xmlns:a16="http://schemas.microsoft.com/office/drawing/2014/main" id="{136D0E47-561B-EC4C-8388-141C16952A7B}"/>
+              </a:ext>
+            </a:extLst>
+          </p:cNvPr>
+          <p:cNvPicPr>
+            <a:picLocks noChangeAspect="1"/>
+          </p:cNvPicPr>
+          <p:nvPr/>
+        </p:nvPicPr>
+        <p:blipFill>
+          <a:blip r:embed="rId5"/>
+          <a:stretch>
+            <a:fillRect/>
+          </a:stretch>
+        </p:blipFill>
+        <p:spPr>
+          <a:xfrm>
+            <a:off x="325546" y="5302628"/>
+            <a:ext cx="6455664" cy="1499616"/>
           </a:xfrm>
           <a:prstGeom prst="rect">
             <a:avLst/>
@@ -5437,10 +5480,10 @@
       </p:sp>
       <p:pic>
         <p:nvPicPr>
-          <p:cNvPr id="3" name="Image 2">
+          <p:cNvPr id="9" name="Image 8">
             <a:extLst>
               <a:ext uri="{FF2B5EF4-FFF2-40B4-BE49-F238E27FC236}">
-                <a16:creationId xmlns:a16="http://schemas.microsoft.com/office/drawing/2014/main" id="{6ED2E6D2-3D96-4FD5-A010-7632B903C468}"/>
+                <a16:creationId xmlns:a16="http://schemas.microsoft.com/office/drawing/2014/main" id="{5A581F0E-D40E-3945-ABB6-8AEEA0885C26}"/>
               </a:ext>
             </a:extLst>
           </p:cNvPr>
@@ -5457,8 +5500,37 @@
         </p:blipFill>
         <p:spPr>
           <a:xfrm>
-            <a:off x="3694292" y="1876575"/>
-            <a:ext cx="4803415" cy="4884083"/>
+            <a:off x="1112190" y="2030849"/>
+            <a:ext cx="5592492" cy="4658661"/>
+          </a:xfrm>
+          <a:prstGeom prst="rect">
+            <a:avLst/>
+          </a:prstGeom>
+        </p:spPr>
+      </p:pic>
+      <p:pic>
+        <p:nvPicPr>
+          <p:cNvPr id="10" name="Image 9">
+            <a:extLst>
+              <a:ext uri="{FF2B5EF4-FFF2-40B4-BE49-F238E27FC236}">
+                <a16:creationId xmlns:a16="http://schemas.microsoft.com/office/drawing/2014/main" id="{28C21E45-C73C-3546-B0AC-8F0AA05C4F02}"/>
+              </a:ext>
+            </a:extLst>
+          </p:cNvPr>
+          <p:cNvPicPr>
+            <a:picLocks noChangeAspect="1"/>
+          </p:cNvPicPr>
+          <p:nvPr/>
+        </p:nvPicPr>
+        <p:blipFill rotWithShape="1">
+          <a:blip r:embed="rId3"/>
+          <a:srcRect t="12023"/>
+          <a:stretch/>
+        </p:blipFill>
+        <p:spPr>
+          <a:xfrm>
+            <a:off x="5550351" y="3429000"/>
+            <a:ext cx="5677069" cy="1862358"/>
           </a:xfrm>
           <a:prstGeom prst="rect">
             <a:avLst/>
